--- a/5Month/복습자료/수업 복습.pptx
+++ b/5Month/복습자료/수업 복습.pptx
@@ -32104,26 +32104,15 @@
               <a:t>위치</a:t>
             </a:r>
             <a:r>
-              <a:rPr lang="en-US" altLang="ko-KR" sz="2000" b="1" dirty="0">
-                <a:solidFill>
-                  <a:prstClr val="black">
-                    <a:lumMod val="65000"/>
-                    <a:lumOff val="35000"/>
-                  </a:prstClr>
-                </a:solidFill>
-              </a:rPr>
-              <a:t>), </a:t>
-            </a:r>
-            <a:r>
-              <a:rPr lang="en-US" altLang="ko-KR" sz="2000" b="1" dirty="0" err="1">
-                <a:solidFill>
-                  <a:prstClr val="black">
-                    <a:lumMod val="65000"/>
-                    <a:lumOff val="35000"/>
-                  </a:prstClr>
-                </a:solidFill>
-              </a:rPr>
-              <a:t>Nomal</a:t>
+              <a:rPr lang="en-US" altLang="ko-KR" sz="2000" b="1">
+                <a:solidFill>
+                  <a:prstClr val="black">
+                    <a:lumMod val="65000"/>
+                    <a:lumOff val="35000"/>
+                  </a:prstClr>
+                </a:solidFill>
+              </a:rPr>
+              <a:t>), Normal</a:t>
             </a:r>
             <a:r>
               <a:rPr lang="en-US" altLang="ko-KR" sz="2000" b="1" dirty="0">
